--- a/UML/UML.pptx
+++ b/UML/UML.pptx
@@ -287,7 +287,7 @@
           <a:p>
             <a:fld id="{614FE177-497B-46CD-8AA2-8500D18E0358}" type="datetimeFigureOut">
               <a:rPr lang="en-US" smtClean="0"/>
-              <a:t>3/30/2020</a:t>
+              <a:t>4/21/2020</a:t>
             </a:fld>
             <a:endParaRPr lang="en-US"/>
           </a:p>
@@ -487,7 +487,7 @@
           <a:p>
             <a:fld id="{614FE177-497B-46CD-8AA2-8500D18E0358}" type="datetimeFigureOut">
               <a:rPr lang="en-US" smtClean="0"/>
-              <a:t>3/30/2020</a:t>
+              <a:t>4/21/2020</a:t>
             </a:fld>
             <a:endParaRPr lang="en-US"/>
           </a:p>
@@ -697,7 +697,7 @@
           <a:p>
             <a:fld id="{614FE177-497B-46CD-8AA2-8500D18E0358}" type="datetimeFigureOut">
               <a:rPr lang="en-US" smtClean="0"/>
-              <a:t>3/30/2020</a:t>
+              <a:t>4/21/2020</a:t>
             </a:fld>
             <a:endParaRPr lang="en-US"/>
           </a:p>
@@ -897,7 +897,7 @@
           <a:p>
             <a:fld id="{614FE177-497B-46CD-8AA2-8500D18E0358}" type="datetimeFigureOut">
               <a:rPr lang="en-US" smtClean="0"/>
-              <a:t>3/30/2020</a:t>
+              <a:t>4/21/2020</a:t>
             </a:fld>
             <a:endParaRPr lang="en-US"/>
           </a:p>
@@ -1173,7 +1173,7 @@
           <a:p>
             <a:fld id="{614FE177-497B-46CD-8AA2-8500D18E0358}" type="datetimeFigureOut">
               <a:rPr lang="en-US" smtClean="0"/>
-              <a:t>3/30/2020</a:t>
+              <a:t>4/21/2020</a:t>
             </a:fld>
             <a:endParaRPr lang="en-US"/>
           </a:p>
@@ -1441,7 +1441,7 @@
           <a:p>
             <a:fld id="{614FE177-497B-46CD-8AA2-8500D18E0358}" type="datetimeFigureOut">
               <a:rPr lang="en-US" smtClean="0"/>
-              <a:t>3/30/2020</a:t>
+              <a:t>4/21/2020</a:t>
             </a:fld>
             <a:endParaRPr lang="en-US"/>
           </a:p>
@@ -1856,7 +1856,7 @@
           <a:p>
             <a:fld id="{614FE177-497B-46CD-8AA2-8500D18E0358}" type="datetimeFigureOut">
               <a:rPr lang="en-US" smtClean="0"/>
-              <a:t>3/30/2020</a:t>
+              <a:t>4/21/2020</a:t>
             </a:fld>
             <a:endParaRPr lang="en-US"/>
           </a:p>
@@ -1998,7 +1998,7 @@
           <a:p>
             <a:fld id="{614FE177-497B-46CD-8AA2-8500D18E0358}" type="datetimeFigureOut">
               <a:rPr lang="en-US" smtClean="0"/>
-              <a:t>3/30/2020</a:t>
+              <a:t>4/21/2020</a:t>
             </a:fld>
             <a:endParaRPr lang="en-US"/>
           </a:p>
@@ -2111,7 +2111,7 @@
           <a:p>
             <a:fld id="{614FE177-497B-46CD-8AA2-8500D18E0358}" type="datetimeFigureOut">
               <a:rPr lang="en-US" smtClean="0"/>
-              <a:t>3/30/2020</a:t>
+              <a:t>4/21/2020</a:t>
             </a:fld>
             <a:endParaRPr lang="en-US"/>
           </a:p>
@@ -2424,7 +2424,7 @@
           <a:p>
             <a:fld id="{614FE177-497B-46CD-8AA2-8500D18E0358}" type="datetimeFigureOut">
               <a:rPr lang="en-US" smtClean="0"/>
-              <a:t>3/30/2020</a:t>
+              <a:t>4/21/2020</a:t>
             </a:fld>
             <a:endParaRPr lang="en-US"/>
           </a:p>
@@ -2713,7 +2713,7 @@
           <a:p>
             <a:fld id="{614FE177-497B-46CD-8AA2-8500D18E0358}" type="datetimeFigureOut">
               <a:rPr lang="en-US" smtClean="0"/>
-              <a:t>3/30/2020</a:t>
+              <a:t>4/21/2020</a:t>
             </a:fld>
             <a:endParaRPr lang="en-US"/>
           </a:p>
@@ -2956,7 +2956,7 @@
           <a:p>
             <a:fld id="{614FE177-497B-46CD-8AA2-8500D18E0358}" type="datetimeFigureOut">
               <a:rPr lang="en-US" smtClean="0"/>
-              <a:t>3/30/2020</a:t>
+              <a:t>4/21/2020</a:t>
             </a:fld>
             <a:endParaRPr lang="en-US"/>
           </a:p>
@@ -12643,20 +12643,20 @@
       </p:sp>
       <p:sp>
         <p:nvSpPr>
-          <p:cNvPr id="3" name="Retângulo 2">
-            <a:extLst>
-              <a:ext uri="{FF2B5EF4-FFF2-40B4-BE49-F238E27FC236}">
-                <a16:creationId xmlns:a16="http://schemas.microsoft.com/office/drawing/2014/main" id="{84DB113C-F868-4E86-95E0-8781858CCC3B}"/>
-              </a:ext>
-            </a:extLst>
-          </p:cNvPr>
-          <p:cNvSpPr/>
-          <p:nvPr/>
-        </p:nvSpPr>
-        <p:spPr>
-          <a:xfrm>
-            <a:off x="711202" y="1700584"/>
-            <a:ext cx="2377438" cy="2068655"/>
+          <p:cNvPr id="4" name="CaixaDeTexto 3">
+            <a:extLst>
+              <a:ext uri="{FF2B5EF4-FFF2-40B4-BE49-F238E27FC236}">
+                <a16:creationId xmlns:a16="http://schemas.microsoft.com/office/drawing/2014/main" id="{48397882-A7FC-4F02-BF12-4880F8B1DA2D}"/>
+              </a:ext>
+            </a:extLst>
+          </p:cNvPr>
+          <p:cNvSpPr txBox="1"/>
+          <p:nvPr/>
+        </p:nvSpPr>
+        <p:spPr>
+          <a:xfrm>
+            <a:off x="1253684" y="2753971"/>
+            <a:ext cx="2377437" cy="461665"/>
           </a:xfrm>
           <a:prstGeom prst="rect">
             <a:avLst/>
@@ -12677,30 +12677,36 @@
           </a:fontRef>
         </p:style>
         <p:txBody>
-          <a:bodyPr rtlCol="0" anchor="ctr"/>
+          <a:bodyPr wrap="square" rtlCol="0">
+            <a:spAutoFit/>
+          </a:bodyPr>
           <a:lstStyle/>
           <a:p>
             <a:pPr algn="ctr"/>
-            <a:endParaRPr lang="en-US"/>
-          </a:p>
-        </p:txBody>
-      </p:sp>
-      <p:sp>
-        <p:nvSpPr>
-          <p:cNvPr id="4" name="CaixaDeTexto 3">
-            <a:extLst>
-              <a:ext uri="{FF2B5EF4-FFF2-40B4-BE49-F238E27FC236}">
-                <a16:creationId xmlns:a16="http://schemas.microsoft.com/office/drawing/2014/main" id="{48397882-A7FC-4F02-BF12-4880F8B1DA2D}"/>
-              </a:ext>
-            </a:extLst>
-          </p:cNvPr>
-          <p:cNvSpPr txBox="1"/>
-          <p:nvPr/>
-        </p:nvSpPr>
-        <p:spPr>
-          <a:xfrm>
-            <a:off x="711203" y="1700585"/>
-            <a:ext cx="2377437" cy="461665"/>
+            <a:r>
+              <a:rPr lang="en-US" sz="2400" b="1"/>
+              <a:t>Aluno</a:t>
+            </a:r>
+            <a:endParaRPr lang="en-US" b="1"/>
+          </a:p>
+        </p:txBody>
+      </p:sp>
+      <p:sp>
+        <p:nvSpPr>
+          <p:cNvPr id="6" name="Retângulo 5">
+            <a:extLst>
+              <a:ext uri="{FF2B5EF4-FFF2-40B4-BE49-F238E27FC236}">
+                <a16:creationId xmlns:a16="http://schemas.microsoft.com/office/drawing/2014/main" id="{180DA892-7D64-439C-9243-D5D03141D7B1}"/>
+              </a:ext>
+            </a:extLst>
+          </p:cNvPr>
+          <p:cNvSpPr/>
+          <p:nvPr/>
+        </p:nvSpPr>
+        <p:spPr>
+          <a:xfrm>
+            <a:off x="1249692" y="3222401"/>
+            <a:ext cx="2377438" cy="646331"/>
           </a:xfrm>
           <a:prstGeom prst="rect">
             <a:avLst/>
@@ -12721,136 +12727,6 @@
           </a:fontRef>
         </p:style>
         <p:txBody>
-          <a:bodyPr wrap="square" rtlCol="0">
-            <a:spAutoFit/>
-          </a:bodyPr>
-          <a:lstStyle/>
-          <a:p>
-            <a:pPr algn="ctr"/>
-            <a:r>
-              <a:rPr lang="en-US" sz="2400" b="1"/>
-              <a:t>Aluno</a:t>
-            </a:r>
-            <a:endParaRPr lang="en-US" b="1"/>
-          </a:p>
-        </p:txBody>
-      </p:sp>
-      <p:sp>
-        <p:nvSpPr>
-          <p:cNvPr id="5" name="CaixaDeTexto 4">
-            <a:extLst>
-              <a:ext uri="{FF2B5EF4-FFF2-40B4-BE49-F238E27FC236}">
-                <a16:creationId xmlns:a16="http://schemas.microsoft.com/office/drawing/2014/main" id="{35FECE76-071A-4B9E-8321-7C3B48B73BBE}"/>
-              </a:ext>
-            </a:extLst>
-          </p:cNvPr>
-          <p:cNvSpPr txBox="1"/>
-          <p:nvPr/>
-        </p:nvSpPr>
-        <p:spPr>
-          <a:xfrm>
-            <a:off x="711201" y="2226015"/>
-            <a:ext cx="2377439" cy="646331"/>
-          </a:xfrm>
-          <a:prstGeom prst="rect">
-            <a:avLst/>
-          </a:prstGeom>
-          <a:noFill/>
-        </p:spPr>
-        <p:txBody>
-          <a:bodyPr wrap="square" rtlCol="0">
-            <a:spAutoFit/>
-          </a:bodyPr>
-          <a:lstStyle/>
-          <a:p>
-            <a:pPr algn="ctr"/>
-            <a:r>
-              <a:rPr lang="en-US">
-                <a:solidFill>
-                  <a:srgbClr val="9C123C"/>
-                </a:solidFill>
-              </a:rPr>
-              <a:t>nome</a:t>
-            </a:r>
-            <a:r>
-              <a:rPr lang="en-US"/>
-              <a:t>: </a:t>
-            </a:r>
-            <a:r>
-              <a:rPr lang="en-US" b="1">
-                <a:solidFill>
-                  <a:srgbClr val="FCBA04"/>
-                </a:solidFill>
-              </a:rPr>
-              <a:t>String</a:t>
-            </a:r>
-            <a:r>
-              <a:rPr lang="en-US"/>
-              <a:t> </a:t>
-            </a:r>
-          </a:p>
-          <a:p>
-            <a:pPr algn="ctr"/>
-            <a:r>
-              <a:rPr lang="en-US">
-                <a:solidFill>
-                  <a:srgbClr val="9C123C"/>
-                </a:solidFill>
-              </a:rPr>
-              <a:t>email</a:t>
-            </a:r>
-            <a:r>
-              <a:rPr lang="en-US"/>
-              <a:t>: </a:t>
-            </a:r>
-            <a:r>
-              <a:rPr lang="en-US" b="1">
-                <a:solidFill>
-                  <a:srgbClr val="FCBA04"/>
-                </a:solidFill>
-              </a:rPr>
-              <a:t>String</a:t>
-            </a:r>
-            <a:endParaRPr lang="en-US"/>
-          </a:p>
-        </p:txBody>
-      </p:sp>
-      <p:sp>
-        <p:nvSpPr>
-          <p:cNvPr id="6" name="Retângulo 5">
-            <a:extLst>
-              <a:ext uri="{FF2B5EF4-FFF2-40B4-BE49-F238E27FC236}">
-                <a16:creationId xmlns:a16="http://schemas.microsoft.com/office/drawing/2014/main" id="{180DA892-7D64-439C-9243-D5D03141D7B1}"/>
-              </a:ext>
-            </a:extLst>
-          </p:cNvPr>
-          <p:cNvSpPr/>
-          <p:nvPr/>
-        </p:nvSpPr>
-        <p:spPr>
-          <a:xfrm>
-            <a:off x="711201" y="3122908"/>
-            <a:ext cx="2377438" cy="646331"/>
-          </a:xfrm>
-          <a:prstGeom prst="rect">
-            <a:avLst/>
-          </a:prstGeom>
-        </p:spPr>
-        <p:style>
-          <a:lnRef idx="2">
-            <a:schemeClr val="dk1"/>
-          </a:lnRef>
-          <a:fillRef idx="1">
-            <a:schemeClr val="lt1"/>
-          </a:fillRef>
-          <a:effectRef idx="0">
-            <a:schemeClr val="dk1"/>
-          </a:effectRef>
-          <a:fontRef idx="minor">
-            <a:schemeClr val="dk1"/>
-          </a:fontRef>
-        </p:style>
-        <p:txBody>
           <a:bodyPr rtlCol="0" anchor="ctr"/>
           <a:lstStyle/>
           <a:p>
@@ -12864,10 +12740,10 @@
       </p:sp>
       <p:sp>
         <p:nvSpPr>
-          <p:cNvPr id="7" name="Retângulo 6">
-            <a:extLst>
-              <a:ext uri="{FF2B5EF4-FFF2-40B4-BE49-F238E27FC236}">
-                <a16:creationId xmlns:a16="http://schemas.microsoft.com/office/drawing/2014/main" id="{7EEA53DF-E6E2-45E8-AB33-F40DC2D9119A}"/>
+          <p:cNvPr id="8" name="Sinal de Adição 7">
+            <a:extLst>
+              <a:ext uri="{FF2B5EF4-FFF2-40B4-BE49-F238E27FC236}">
+                <a16:creationId xmlns:a16="http://schemas.microsoft.com/office/drawing/2014/main" id="{4283987B-E9CB-41C9-9207-6FAF851C54BD}"/>
               </a:ext>
             </a:extLst>
           </p:cNvPr>
@@ -12876,10 +12752,10 @@
         </p:nvSpPr>
         <p:spPr>
           <a:xfrm>
-            <a:off x="845233" y="2392594"/>
-            <a:ext cx="109348" cy="45719"/>
-          </a:xfrm>
-          <a:prstGeom prst="rect">
+            <a:off x="1355128" y="3447755"/>
+            <a:ext cx="203200" cy="203200"/>
+          </a:xfrm>
+          <a:prstGeom prst="mathPlus">
             <a:avLst/>
           </a:prstGeom>
         </p:spPr>
@@ -12910,10 +12786,10 @@
       </p:sp>
       <p:sp>
         <p:nvSpPr>
-          <p:cNvPr id="8" name="Sinal de Adição 7">
-            <a:extLst>
-              <a:ext uri="{FF2B5EF4-FFF2-40B4-BE49-F238E27FC236}">
-                <a16:creationId xmlns:a16="http://schemas.microsoft.com/office/drawing/2014/main" id="{4283987B-E9CB-41C9-9207-6FAF851C54BD}"/>
+          <p:cNvPr id="10" name="Retângulo 9">
+            <a:extLst>
+              <a:ext uri="{FF2B5EF4-FFF2-40B4-BE49-F238E27FC236}">
+                <a16:creationId xmlns:a16="http://schemas.microsoft.com/office/drawing/2014/main" id="{F031AF85-4488-4AAC-AFA7-354BF09F9E65}"/>
               </a:ext>
             </a:extLst>
           </p:cNvPr>
@@ -12922,10 +12798,228 @@
         </p:nvSpPr>
         <p:spPr>
           <a:xfrm>
-            <a:off x="807549" y="3344473"/>
-            <a:ext cx="203200" cy="203200"/>
-          </a:xfrm>
-          <a:prstGeom prst="mathPlus">
+            <a:off x="8514757" y="2345235"/>
+            <a:ext cx="2377438" cy="2068655"/>
+          </a:xfrm>
+          <a:prstGeom prst="rect">
+            <a:avLst/>
+          </a:prstGeom>
+        </p:spPr>
+        <p:style>
+          <a:lnRef idx="2">
+            <a:schemeClr val="dk1"/>
+          </a:lnRef>
+          <a:fillRef idx="1">
+            <a:schemeClr val="lt1"/>
+          </a:fillRef>
+          <a:effectRef idx="0">
+            <a:schemeClr val="dk1"/>
+          </a:effectRef>
+          <a:fontRef idx="minor">
+            <a:schemeClr val="dk1"/>
+          </a:fontRef>
+        </p:style>
+        <p:txBody>
+          <a:bodyPr rtlCol="0" anchor="ctr"/>
+          <a:lstStyle/>
+          <a:p>
+            <a:pPr algn="ctr"/>
+            <a:endParaRPr lang="en-US"/>
+          </a:p>
+        </p:txBody>
+      </p:sp>
+      <p:sp>
+        <p:nvSpPr>
+          <p:cNvPr id="11" name="CaixaDeTexto 10">
+            <a:extLst>
+              <a:ext uri="{FF2B5EF4-FFF2-40B4-BE49-F238E27FC236}">
+                <a16:creationId xmlns:a16="http://schemas.microsoft.com/office/drawing/2014/main" id="{2C0DDA81-B935-41FC-893D-7ADBF7E7D03F}"/>
+              </a:ext>
+            </a:extLst>
+          </p:cNvPr>
+          <p:cNvSpPr txBox="1"/>
+          <p:nvPr/>
+        </p:nvSpPr>
+        <p:spPr>
+          <a:xfrm>
+            <a:off x="8514758" y="2345236"/>
+            <a:ext cx="2377437" cy="461665"/>
+          </a:xfrm>
+          <a:prstGeom prst="rect">
+            <a:avLst/>
+          </a:prstGeom>
+        </p:spPr>
+        <p:style>
+          <a:lnRef idx="2">
+            <a:schemeClr val="dk1"/>
+          </a:lnRef>
+          <a:fillRef idx="1">
+            <a:schemeClr val="lt1"/>
+          </a:fillRef>
+          <a:effectRef idx="0">
+            <a:schemeClr val="dk1"/>
+          </a:effectRef>
+          <a:fontRef idx="minor">
+            <a:schemeClr val="dk1"/>
+          </a:fontRef>
+        </p:style>
+        <p:txBody>
+          <a:bodyPr wrap="square" rtlCol="0">
+            <a:spAutoFit/>
+          </a:bodyPr>
+          <a:lstStyle/>
+          <a:p>
+            <a:pPr algn="ctr"/>
+            <a:r>
+              <a:rPr lang="en-US" sz="2400" b="1"/>
+              <a:t>Contrato</a:t>
+            </a:r>
+            <a:endParaRPr lang="en-US" b="1"/>
+          </a:p>
+        </p:txBody>
+      </p:sp>
+      <p:sp>
+        <p:nvSpPr>
+          <p:cNvPr id="12" name="CaixaDeTexto 11">
+            <a:extLst>
+              <a:ext uri="{FF2B5EF4-FFF2-40B4-BE49-F238E27FC236}">
+                <a16:creationId xmlns:a16="http://schemas.microsoft.com/office/drawing/2014/main" id="{DD1D38B3-F9CC-4CA2-9872-E4B6D4ACA9CF}"/>
+              </a:ext>
+            </a:extLst>
+          </p:cNvPr>
+          <p:cNvSpPr txBox="1"/>
+          <p:nvPr/>
+        </p:nvSpPr>
+        <p:spPr>
+          <a:xfrm>
+            <a:off x="8514756" y="2870666"/>
+            <a:ext cx="2377439" cy="646331"/>
+          </a:xfrm>
+          <a:prstGeom prst="rect">
+            <a:avLst/>
+          </a:prstGeom>
+          <a:noFill/>
+        </p:spPr>
+        <p:txBody>
+          <a:bodyPr wrap="square" rtlCol="0">
+            <a:spAutoFit/>
+          </a:bodyPr>
+          <a:lstStyle/>
+          <a:p>
+            <a:pPr algn="ctr"/>
+            <a:r>
+              <a:rPr lang="en-US">
+                <a:solidFill>
+                  <a:srgbClr val="9C123C"/>
+                </a:solidFill>
+              </a:rPr>
+              <a:t>data</a:t>
+            </a:r>
+            <a:r>
+              <a:rPr lang="en-US"/>
+              <a:t>: </a:t>
+            </a:r>
+            <a:r>
+              <a:rPr lang="en-US" b="1">
+                <a:solidFill>
+                  <a:srgbClr val="FCBA04"/>
+                </a:solidFill>
+              </a:rPr>
+              <a:t>Calendar</a:t>
+            </a:r>
+            <a:r>
+              <a:rPr lang="en-US"/>
+              <a:t> </a:t>
+            </a:r>
+          </a:p>
+          <a:p>
+            <a:pPr algn="ctr"/>
+            <a:r>
+              <a:rPr lang="en-US">
+                <a:solidFill>
+                  <a:srgbClr val="9C123C"/>
+                </a:solidFill>
+              </a:rPr>
+              <a:t>curso</a:t>
+            </a:r>
+            <a:r>
+              <a:rPr lang="en-US"/>
+              <a:t>: </a:t>
+            </a:r>
+            <a:r>
+              <a:rPr lang="en-US" b="1">
+                <a:solidFill>
+                  <a:srgbClr val="FCBA04"/>
+                </a:solidFill>
+              </a:rPr>
+              <a:t>Curso</a:t>
+            </a:r>
+            <a:endParaRPr lang="en-US"/>
+          </a:p>
+        </p:txBody>
+      </p:sp>
+      <p:sp>
+        <p:nvSpPr>
+          <p:cNvPr id="13" name="Retângulo 12">
+            <a:extLst>
+              <a:ext uri="{FF2B5EF4-FFF2-40B4-BE49-F238E27FC236}">
+                <a16:creationId xmlns:a16="http://schemas.microsoft.com/office/drawing/2014/main" id="{3A28C1A4-0983-4233-AAE0-B981A7FCC8E4}"/>
+              </a:ext>
+            </a:extLst>
+          </p:cNvPr>
+          <p:cNvSpPr/>
+          <p:nvPr/>
+        </p:nvSpPr>
+        <p:spPr>
+          <a:xfrm>
+            <a:off x="8514756" y="3767559"/>
+            <a:ext cx="2377438" cy="646331"/>
+          </a:xfrm>
+          <a:prstGeom prst="rect">
+            <a:avLst/>
+          </a:prstGeom>
+        </p:spPr>
+        <p:style>
+          <a:lnRef idx="2">
+            <a:schemeClr val="dk1"/>
+          </a:lnRef>
+          <a:fillRef idx="1">
+            <a:schemeClr val="lt1"/>
+          </a:fillRef>
+          <a:effectRef idx="0">
+            <a:schemeClr val="dk1"/>
+          </a:effectRef>
+          <a:fontRef idx="minor">
+            <a:schemeClr val="dk1"/>
+          </a:fontRef>
+        </p:style>
+        <p:txBody>
+          <a:bodyPr rtlCol="0" anchor="ctr"/>
+          <a:lstStyle/>
+          <a:p>
+            <a:pPr algn="ctr"/>
+            <a:endParaRPr lang="en-US"/>
+          </a:p>
+        </p:txBody>
+      </p:sp>
+      <p:sp>
+        <p:nvSpPr>
+          <p:cNvPr id="14" name="Retângulo 13">
+            <a:extLst>
+              <a:ext uri="{FF2B5EF4-FFF2-40B4-BE49-F238E27FC236}">
+                <a16:creationId xmlns:a16="http://schemas.microsoft.com/office/drawing/2014/main" id="{F5E4B2D9-C068-4D25-B605-5AB4F549EF08}"/>
+              </a:ext>
+            </a:extLst>
+          </p:cNvPr>
+          <p:cNvSpPr/>
+          <p:nvPr/>
+        </p:nvSpPr>
+        <p:spPr>
+          <a:xfrm>
+            <a:off x="8648788" y="3037245"/>
+            <a:ext cx="109348" cy="45719"/>
+          </a:xfrm>
+          <a:prstGeom prst="rect">
             <a:avLst/>
           </a:prstGeom>
         </p:spPr>
@@ -12956,10 +13050,10 @@
       </p:sp>
       <p:sp>
         <p:nvSpPr>
-          <p:cNvPr id="9" name="Sinal de Adição 8">
-            <a:extLst>
-              <a:ext uri="{FF2B5EF4-FFF2-40B4-BE49-F238E27FC236}">
-                <a16:creationId xmlns:a16="http://schemas.microsoft.com/office/drawing/2014/main" id="{4F6FB440-BC74-48E5-BA0B-429A5021ED0B}"/>
+          <p:cNvPr id="16" name="Sinal de Adição 15">
+            <a:extLst>
+              <a:ext uri="{FF2B5EF4-FFF2-40B4-BE49-F238E27FC236}">
+                <a16:creationId xmlns:a16="http://schemas.microsoft.com/office/drawing/2014/main" id="{004CD3EB-FC6E-457A-8A1A-3419FB04C839}"/>
               </a:ext>
             </a:extLst>
           </p:cNvPr>
@@ -12968,7 +13062,7 @@
         </p:nvSpPr>
         <p:spPr>
           <a:xfrm>
-            <a:off x="822042" y="2577750"/>
+            <a:off x="8625597" y="3222401"/>
             <a:ext cx="156274" cy="156274"/>
           </a:xfrm>
           <a:prstGeom prst="mathPlus">
@@ -13000,316 +13094,6 @@
           </a:p>
         </p:txBody>
       </p:sp>
-      <p:sp>
-        <p:nvSpPr>
-          <p:cNvPr id="10" name="Retângulo 9">
-            <a:extLst>
-              <a:ext uri="{FF2B5EF4-FFF2-40B4-BE49-F238E27FC236}">
-                <a16:creationId xmlns:a16="http://schemas.microsoft.com/office/drawing/2014/main" id="{F031AF85-4488-4AAC-AFA7-354BF09F9E65}"/>
-              </a:ext>
-            </a:extLst>
-          </p:cNvPr>
-          <p:cNvSpPr/>
-          <p:nvPr/>
-        </p:nvSpPr>
-        <p:spPr>
-          <a:xfrm>
-            <a:off x="7995922" y="1713549"/>
-            <a:ext cx="2377438" cy="2068655"/>
-          </a:xfrm>
-          <a:prstGeom prst="rect">
-            <a:avLst/>
-          </a:prstGeom>
-        </p:spPr>
-        <p:style>
-          <a:lnRef idx="2">
-            <a:schemeClr val="dk1"/>
-          </a:lnRef>
-          <a:fillRef idx="1">
-            <a:schemeClr val="lt1"/>
-          </a:fillRef>
-          <a:effectRef idx="0">
-            <a:schemeClr val="dk1"/>
-          </a:effectRef>
-          <a:fontRef idx="minor">
-            <a:schemeClr val="dk1"/>
-          </a:fontRef>
-        </p:style>
-        <p:txBody>
-          <a:bodyPr rtlCol="0" anchor="ctr"/>
-          <a:lstStyle/>
-          <a:p>
-            <a:pPr algn="ctr"/>
-            <a:endParaRPr lang="en-US"/>
-          </a:p>
-        </p:txBody>
-      </p:sp>
-      <p:sp>
-        <p:nvSpPr>
-          <p:cNvPr id="11" name="CaixaDeTexto 10">
-            <a:extLst>
-              <a:ext uri="{FF2B5EF4-FFF2-40B4-BE49-F238E27FC236}">
-                <a16:creationId xmlns:a16="http://schemas.microsoft.com/office/drawing/2014/main" id="{2C0DDA81-B935-41FC-893D-7ADBF7E7D03F}"/>
-              </a:ext>
-            </a:extLst>
-          </p:cNvPr>
-          <p:cNvSpPr txBox="1"/>
-          <p:nvPr/>
-        </p:nvSpPr>
-        <p:spPr>
-          <a:xfrm>
-            <a:off x="7995923" y="1713550"/>
-            <a:ext cx="2377437" cy="461665"/>
-          </a:xfrm>
-          <a:prstGeom prst="rect">
-            <a:avLst/>
-          </a:prstGeom>
-        </p:spPr>
-        <p:style>
-          <a:lnRef idx="2">
-            <a:schemeClr val="dk1"/>
-          </a:lnRef>
-          <a:fillRef idx="1">
-            <a:schemeClr val="lt1"/>
-          </a:fillRef>
-          <a:effectRef idx="0">
-            <a:schemeClr val="dk1"/>
-          </a:effectRef>
-          <a:fontRef idx="minor">
-            <a:schemeClr val="dk1"/>
-          </a:fontRef>
-        </p:style>
-        <p:txBody>
-          <a:bodyPr wrap="square" rtlCol="0">
-            <a:spAutoFit/>
-          </a:bodyPr>
-          <a:lstStyle/>
-          <a:p>
-            <a:pPr algn="ctr"/>
-            <a:r>
-              <a:rPr lang="en-US" sz="2400" b="1"/>
-              <a:t>Contrato</a:t>
-            </a:r>
-            <a:endParaRPr lang="en-US" b="1"/>
-          </a:p>
-        </p:txBody>
-      </p:sp>
-      <p:sp>
-        <p:nvSpPr>
-          <p:cNvPr id="12" name="CaixaDeTexto 11">
-            <a:extLst>
-              <a:ext uri="{FF2B5EF4-FFF2-40B4-BE49-F238E27FC236}">
-                <a16:creationId xmlns:a16="http://schemas.microsoft.com/office/drawing/2014/main" id="{DD1D38B3-F9CC-4CA2-9872-E4B6D4ACA9CF}"/>
-              </a:ext>
-            </a:extLst>
-          </p:cNvPr>
-          <p:cNvSpPr txBox="1"/>
-          <p:nvPr/>
-        </p:nvSpPr>
-        <p:spPr>
-          <a:xfrm>
-            <a:off x="7995921" y="2238980"/>
-            <a:ext cx="2377439" cy="646331"/>
-          </a:xfrm>
-          <a:prstGeom prst="rect">
-            <a:avLst/>
-          </a:prstGeom>
-          <a:noFill/>
-        </p:spPr>
-        <p:txBody>
-          <a:bodyPr wrap="square" rtlCol="0">
-            <a:spAutoFit/>
-          </a:bodyPr>
-          <a:lstStyle/>
-          <a:p>
-            <a:pPr algn="ctr"/>
-            <a:r>
-              <a:rPr lang="en-US">
-                <a:solidFill>
-                  <a:srgbClr val="9C123C"/>
-                </a:solidFill>
-              </a:rPr>
-              <a:t>data</a:t>
-            </a:r>
-            <a:r>
-              <a:rPr lang="en-US"/>
-              <a:t>: </a:t>
-            </a:r>
-            <a:r>
-              <a:rPr lang="en-US" b="1">
-                <a:solidFill>
-                  <a:srgbClr val="FCBA04"/>
-                </a:solidFill>
-              </a:rPr>
-              <a:t>Calendar</a:t>
-            </a:r>
-            <a:r>
-              <a:rPr lang="en-US"/>
-              <a:t> </a:t>
-            </a:r>
-          </a:p>
-          <a:p>
-            <a:pPr algn="ctr"/>
-            <a:r>
-              <a:rPr lang="en-US">
-                <a:solidFill>
-                  <a:srgbClr val="9C123C"/>
-                </a:solidFill>
-              </a:rPr>
-              <a:t>curso</a:t>
-            </a:r>
-            <a:r>
-              <a:rPr lang="en-US"/>
-              <a:t>: </a:t>
-            </a:r>
-            <a:r>
-              <a:rPr lang="en-US" b="1">
-                <a:solidFill>
-                  <a:srgbClr val="FCBA04"/>
-                </a:solidFill>
-              </a:rPr>
-              <a:t>Curso</a:t>
-            </a:r>
-            <a:endParaRPr lang="en-US"/>
-          </a:p>
-        </p:txBody>
-      </p:sp>
-      <p:sp>
-        <p:nvSpPr>
-          <p:cNvPr id="13" name="Retângulo 12">
-            <a:extLst>
-              <a:ext uri="{FF2B5EF4-FFF2-40B4-BE49-F238E27FC236}">
-                <a16:creationId xmlns:a16="http://schemas.microsoft.com/office/drawing/2014/main" id="{3A28C1A4-0983-4233-AAE0-B981A7FCC8E4}"/>
-              </a:ext>
-            </a:extLst>
-          </p:cNvPr>
-          <p:cNvSpPr/>
-          <p:nvPr/>
-        </p:nvSpPr>
-        <p:spPr>
-          <a:xfrm>
-            <a:off x="7995921" y="3135873"/>
-            <a:ext cx="2377438" cy="646331"/>
-          </a:xfrm>
-          <a:prstGeom prst="rect">
-            <a:avLst/>
-          </a:prstGeom>
-        </p:spPr>
-        <p:style>
-          <a:lnRef idx="2">
-            <a:schemeClr val="dk1"/>
-          </a:lnRef>
-          <a:fillRef idx="1">
-            <a:schemeClr val="lt1"/>
-          </a:fillRef>
-          <a:effectRef idx="0">
-            <a:schemeClr val="dk1"/>
-          </a:effectRef>
-          <a:fontRef idx="minor">
-            <a:schemeClr val="dk1"/>
-          </a:fontRef>
-        </p:style>
-        <p:txBody>
-          <a:bodyPr rtlCol="0" anchor="ctr"/>
-          <a:lstStyle/>
-          <a:p>
-            <a:pPr algn="ctr"/>
-            <a:endParaRPr lang="en-US"/>
-          </a:p>
-        </p:txBody>
-      </p:sp>
-      <p:sp>
-        <p:nvSpPr>
-          <p:cNvPr id="14" name="Retângulo 13">
-            <a:extLst>
-              <a:ext uri="{FF2B5EF4-FFF2-40B4-BE49-F238E27FC236}">
-                <a16:creationId xmlns:a16="http://schemas.microsoft.com/office/drawing/2014/main" id="{F5E4B2D9-C068-4D25-B605-5AB4F549EF08}"/>
-              </a:ext>
-            </a:extLst>
-          </p:cNvPr>
-          <p:cNvSpPr/>
-          <p:nvPr/>
-        </p:nvSpPr>
-        <p:spPr>
-          <a:xfrm>
-            <a:off x="8129953" y="2405559"/>
-            <a:ext cx="109348" cy="45719"/>
-          </a:xfrm>
-          <a:prstGeom prst="rect">
-            <a:avLst/>
-          </a:prstGeom>
-        </p:spPr>
-        <p:style>
-          <a:lnRef idx="2">
-            <a:schemeClr val="dk1">
-              <a:shade val="50000"/>
-            </a:schemeClr>
-          </a:lnRef>
-          <a:fillRef idx="1">
-            <a:schemeClr val="dk1"/>
-          </a:fillRef>
-          <a:effectRef idx="0">
-            <a:schemeClr val="dk1"/>
-          </a:effectRef>
-          <a:fontRef idx="minor">
-            <a:schemeClr val="lt1"/>
-          </a:fontRef>
-        </p:style>
-        <p:txBody>
-          <a:bodyPr rtlCol="0" anchor="ctr"/>
-          <a:lstStyle/>
-          <a:p>
-            <a:pPr algn="ctr"/>
-            <a:endParaRPr lang="en-US"/>
-          </a:p>
-        </p:txBody>
-      </p:sp>
-      <p:sp>
-        <p:nvSpPr>
-          <p:cNvPr id="16" name="Sinal de Adição 15">
-            <a:extLst>
-              <a:ext uri="{FF2B5EF4-FFF2-40B4-BE49-F238E27FC236}">
-                <a16:creationId xmlns:a16="http://schemas.microsoft.com/office/drawing/2014/main" id="{004CD3EB-FC6E-457A-8A1A-3419FB04C839}"/>
-              </a:ext>
-            </a:extLst>
-          </p:cNvPr>
-          <p:cNvSpPr/>
-          <p:nvPr/>
-        </p:nvSpPr>
-        <p:spPr>
-          <a:xfrm>
-            <a:off x="8106762" y="2590715"/>
-            <a:ext cx="156274" cy="156274"/>
-          </a:xfrm>
-          <a:prstGeom prst="mathPlus">
-            <a:avLst/>
-          </a:prstGeom>
-        </p:spPr>
-        <p:style>
-          <a:lnRef idx="2">
-            <a:schemeClr val="dk1">
-              <a:shade val="50000"/>
-            </a:schemeClr>
-          </a:lnRef>
-          <a:fillRef idx="1">
-            <a:schemeClr val="dk1"/>
-          </a:fillRef>
-          <a:effectRef idx="0">
-            <a:schemeClr val="dk1"/>
-          </a:effectRef>
-          <a:fontRef idx="minor">
-            <a:schemeClr val="lt1"/>
-          </a:fontRef>
-        </p:style>
-        <p:txBody>
-          <a:bodyPr rtlCol="0" anchor="ctr"/>
-          <a:lstStyle/>
-          <a:p>
-            <a:pPr algn="ctr"/>
-            <a:endParaRPr lang="en-US"/>
-          </a:p>
-        </p:txBody>
-      </p:sp>
       <p:cxnSp>
         <p:nvCxnSpPr>
           <p:cNvPr id="18" name="Conector reto 17">
@@ -13321,14 +13105,13 @@
           </p:cNvPr>
           <p:cNvCxnSpPr>
             <a:cxnSpLocks/>
-            <a:stCxn id="5" idx="3"/>
             <a:endCxn id="12" idx="1"/>
           </p:cNvCxnSpPr>
           <p:nvPr/>
         </p:nvCxnSpPr>
         <p:spPr>
           <a:xfrm>
-            <a:off x="3088640" y="2549181"/>
+            <a:off x="3607475" y="3180867"/>
             <a:ext cx="4907281" cy="12965"/>
           </a:xfrm>
           <a:prstGeom prst="line">
@@ -13364,7 +13147,7 @@
         </p:nvSpPr>
         <p:spPr>
           <a:xfrm>
-            <a:off x="3088639" y="2242425"/>
+            <a:off x="3607474" y="2874111"/>
             <a:ext cx="629921" cy="629921"/>
           </a:xfrm>
           <a:prstGeom prst="diamond">
@@ -13414,7 +13197,7 @@
         </p:nvCxnSpPr>
         <p:spPr>
           <a:xfrm rot="5400000" flipH="1" flipV="1">
-            <a:off x="2740439" y="1256324"/>
+            <a:off x="3259274" y="1888010"/>
             <a:ext cx="1649263" cy="322940"/>
           </a:xfrm>
           <a:prstGeom prst="bentConnector2">
@@ -13456,7 +13239,7 @@
         </p:nvSpPr>
         <p:spPr>
           <a:xfrm>
-            <a:off x="3726540" y="408496"/>
+            <a:off x="4245375" y="1040182"/>
             <a:ext cx="2751074" cy="369332"/>
           </a:xfrm>
           <a:prstGeom prst="rect">
@@ -13514,7 +13297,7 @@
         </p:nvSpPr>
         <p:spPr>
           <a:xfrm>
-            <a:off x="7183122" y="1808200"/>
+            <a:off x="7701957" y="2439886"/>
             <a:ext cx="418704" cy="646331"/>
           </a:xfrm>
           <a:prstGeom prst="rect">
@@ -13553,7 +13336,7 @@
         </p:nvSpPr>
         <p:spPr>
           <a:xfrm>
-            <a:off x="3946317" y="1808200"/>
+            <a:off x="4465152" y="2439886"/>
             <a:ext cx="418704" cy="646331"/>
           </a:xfrm>
           <a:prstGeom prst="rect">
@@ -13592,7 +13375,7 @@
         </p:nvSpPr>
         <p:spPr>
           <a:xfrm>
-            <a:off x="7235460" y="4726164"/>
+            <a:off x="7754295" y="5357850"/>
             <a:ext cx="1432559" cy="1336054"/>
           </a:xfrm>
           <a:prstGeom prst="rect">
@@ -13636,7 +13419,7 @@
         </p:nvSpPr>
         <p:spPr>
           <a:xfrm>
-            <a:off x="7235462" y="4726164"/>
+            <a:off x="7754297" y="5357850"/>
             <a:ext cx="1432558" cy="461665"/>
           </a:xfrm>
           <a:prstGeom prst="rect">
@@ -13686,7 +13469,7 @@
         </p:nvSpPr>
         <p:spPr>
           <a:xfrm>
-            <a:off x="7235459" y="5830225"/>
+            <a:off x="7754294" y="6461911"/>
             <a:ext cx="1432559" cy="231992"/>
           </a:xfrm>
           <a:prstGeom prst="rect">
@@ -13730,7 +13513,7 @@
         </p:nvSpPr>
         <p:spPr>
           <a:xfrm>
-            <a:off x="9897380" y="4726164"/>
+            <a:off x="10416215" y="5357850"/>
             <a:ext cx="1432559" cy="1336054"/>
           </a:xfrm>
           <a:prstGeom prst="rect">
@@ -13774,7 +13557,7 @@
         </p:nvSpPr>
         <p:spPr>
           <a:xfrm>
-            <a:off x="9897382" y="4726164"/>
+            <a:off x="10416217" y="5357850"/>
             <a:ext cx="1432558" cy="461665"/>
           </a:xfrm>
           <a:prstGeom prst="rect">
@@ -13824,7 +13607,7 @@
         </p:nvSpPr>
         <p:spPr>
           <a:xfrm>
-            <a:off x="9897379" y="5830225"/>
+            <a:off x="10416214" y="6461911"/>
             <a:ext cx="1432559" cy="231992"/>
           </a:xfrm>
           <a:prstGeom prst="rect">
@@ -13872,14 +13655,15 @@
         </p:nvCxnSpPr>
         <p:spPr>
           <a:xfrm flipV="1">
-            <a:off x="7951741" y="3782204"/>
+            <a:off x="8470576" y="4413890"/>
             <a:ext cx="1232899" cy="943960"/>
           </a:xfrm>
           <a:prstGeom prst="straightConnector1">
             <a:avLst/>
           </a:prstGeom>
           <a:ln>
-            <a:tailEnd type="triangle"/>
+            <a:prstDash val="dash"/>
+            <a:tailEnd type="none"/>
           </a:ln>
         </p:spPr>
         <p:style>
@@ -13915,14 +13699,15 @@
         </p:nvCxnSpPr>
         <p:spPr>
           <a:xfrm flipH="1" flipV="1">
-            <a:off x="9184640" y="3782204"/>
+            <a:off x="9703475" y="4413890"/>
             <a:ext cx="1429021" cy="943960"/>
           </a:xfrm>
           <a:prstGeom prst="straightConnector1">
             <a:avLst/>
           </a:prstGeom>
           <a:ln>
-            <a:tailEnd type="triangle"/>
+            <a:prstDash val="dash"/>
+            <a:tailEnd type="none"/>
           </a:ln>
         </p:spPr>
         <p:style>
@@ -13957,7 +13742,7 @@
         </p:nvCxnSpPr>
         <p:spPr>
           <a:xfrm rot="10800000">
-            <a:off x="7267415" y="4122298"/>
+            <a:off x="7786250" y="4753984"/>
             <a:ext cx="1210809" cy="223941"/>
           </a:xfrm>
           <a:prstGeom prst="bentConnector3">
@@ -14001,7 +13786,7 @@
         </p:nvSpPr>
         <p:spPr>
           <a:xfrm>
-            <a:off x="4108857" y="3829909"/>
+            <a:off x="4627692" y="4461595"/>
             <a:ext cx="3158557" cy="584775"/>
           </a:xfrm>
           <a:prstGeom prst="rect">
@@ -14039,7 +13824,7 @@
             </a:r>
             <a:r>
               <a:rPr lang="en-US" sz="1600" b="1"/>
-              <a:t>Herença</a:t>
+              <a:t>implementação</a:t>
             </a:r>
             <a:r>
               <a:rPr lang="en-US" sz="1600"/>
@@ -14068,7 +13853,7 @@
         </p:nvSpPr>
         <p:spPr>
           <a:xfrm>
-            <a:off x="8283710" y="1255035"/>
+            <a:off x="8802545" y="1886721"/>
             <a:ext cx="1910075" cy="461665"/>
           </a:xfrm>
           <a:prstGeom prst="rect">
@@ -14116,7 +13901,7 @@
         </p:nvCxnSpPr>
         <p:spPr>
           <a:xfrm rot="5400000" flipH="1" flipV="1">
-            <a:off x="9593112" y="217833"/>
+            <a:off x="10111947" y="849519"/>
             <a:ext cx="682838" cy="1391566"/>
           </a:xfrm>
           <a:prstGeom prst="bentConnector4">
@@ -14161,7 +13946,7 @@
         </p:nvSpPr>
         <p:spPr>
           <a:xfrm>
-            <a:off x="8252877" y="279809"/>
+            <a:off x="8771712" y="911495"/>
             <a:ext cx="2377437" cy="584775"/>
           </a:xfrm>
           <a:prstGeom prst="rect">
@@ -14223,7 +14008,7 @@
         </p:nvSpPr>
         <p:spPr>
           <a:xfrm>
-            <a:off x="5102077" y="2109775"/>
+            <a:off x="5620912" y="2741461"/>
             <a:ext cx="1010213" cy="307777"/>
           </a:xfrm>
           <a:prstGeom prst="rect">
@@ -14266,7 +14051,7 @@
         </p:nvCxnSpPr>
         <p:spPr>
           <a:xfrm rot="5400000">
-            <a:off x="3027813" y="2672189"/>
+            <a:off x="3546648" y="3303875"/>
             <a:ext cx="2834008" cy="2324734"/>
           </a:xfrm>
           <a:prstGeom prst="bentConnector3">
@@ -14310,7 +14095,7 @@
         </p:nvSpPr>
         <p:spPr>
           <a:xfrm>
-            <a:off x="2681291" y="5251560"/>
+            <a:off x="3200126" y="5883246"/>
             <a:ext cx="1202317" cy="369332"/>
           </a:xfrm>
           <a:prstGeom prst="rect">
@@ -14368,7 +14153,7 @@
         </p:nvCxnSpPr>
         <p:spPr>
           <a:xfrm rot="5400000" flipH="1" flipV="1">
-            <a:off x="4008563" y="1430064"/>
+            <a:off x="4527398" y="2061750"/>
             <a:ext cx="525243" cy="231030"/>
           </a:xfrm>
           <a:prstGeom prst="bentConnector2">
@@ -14410,7 +14195,7 @@
         </p:nvSpPr>
         <p:spPr>
           <a:xfrm>
-            <a:off x="4386699" y="959791"/>
+            <a:off x="4905534" y="1591477"/>
             <a:ext cx="2751074" cy="646331"/>
           </a:xfrm>
           <a:prstGeom prst="rect">
@@ -14451,6 +14236,620 @@
               <a:t>Multiplicidade</a:t>
             </a:r>
             <a:endParaRPr lang="en-US" sz="1600" i="1"/>
+          </a:p>
+        </p:txBody>
+      </p:sp>
+      <p:sp>
+        <p:nvSpPr>
+          <p:cNvPr id="15" name="Triângulo isósceles 14">
+            <a:extLst>
+              <a:ext uri="{FF2B5EF4-FFF2-40B4-BE49-F238E27FC236}">
+                <a16:creationId xmlns:a16="http://schemas.microsoft.com/office/drawing/2014/main" id="{71F538F6-4D81-4B86-B9A0-6A6C26591111}"/>
+              </a:ext>
+            </a:extLst>
+          </p:cNvPr>
+          <p:cNvSpPr/>
+          <p:nvPr/>
+        </p:nvSpPr>
+        <p:spPr>
+          <a:xfrm rot="2615937">
+            <a:off x="9443243" y="4389218"/>
+            <a:ext cx="271137" cy="233739"/>
+          </a:xfrm>
+          <a:prstGeom prst="triangle">
+            <a:avLst/>
+          </a:prstGeom>
+          <a:solidFill>
+            <a:schemeClr val="bg1"/>
+          </a:solidFill>
+        </p:spPr>
+        <p:style>
+          <a:lnRef idx="2">
+            <a:schemeClr val="accent1">
+              <a:shade val="50000"/>
+            </a:schemeClr>
+          </a:lnRef>
+          <a:fillRef idx="1">
+            <a:schemeClr val="accent1"/>
+          </a:fillRef>
+          <a:effectRef idx="0">
+            <a:schemeClr val="accent1"/>
+          </a:effectRef>
+          <a:fontRef idx="minor">
+            <a:schemeClr val="lt1"/>
+          </a:fontRef>
+        </p:style>
+        <p:txBody>
+          <a:bodyPr rtlCol="0" anchor="ctr"/>
+          <a:lstStyle/>
+          <a:p>
+            <a:pPr algn="ctr"/>
+            <a:endParaRPr lang="en-US"/>
+          </a:p>
+        </p:txBody>
+      </p:sp>
+      <p:sp>
+        <p:nvSpPr>
+          <p:cNvPr id="44" name="Triângulo isósceles 43">
+            <a:extLst>
+              <a:ext uri="{FF2B5EF4-FFF2-40B4-BE49-F238E27FC236}">
+                <a16:creationId xmlns:a16="http://schemas.microsoft.com/office/drawing/2014/main" id="{0FB134A5-64E3-4227-B55E-72058A5889F3}"/>
+              </a:ext>
+            </a:extLst>
+          </p:cNvPr>
+          <p:cNvSpPr/>
+          <p:nvPr/>
+        </p:nvSpPr>
+        <p:spPr>
+          <a:xfrm rot="18984063" flipH="1">
+            <a:off x="9708496" y="4382948"/>
+            <a:ext cx="271137" cy="233739"/>
+          </a:xfrm>
+          <a:prstGeom prst="triangle">
+            <a:avLst/>
+          </a:prstGeom>
+          <a:solidFill>
+            <a:schemeClr val="bg1"/>
+          </a:solidFill>
+        </p:spPr>
+        <p:style>
+          <a:lnRef idx="2">
+            <a:schemeClr val="accent1">
+              <a:shade val="50000"/>
+            </a:schemeClr>
+          </a:lnRef>
+          <a:fillRef idx="1">
+            <a:schemeClr val="accent1"/>
+          </a:fillRef>
+          <a:effectRef idx="0">
+            <a:schemeClr val="accent1"/>
+          </a:effectRef>
+          <a:fontRef idx="minor">
+            <a:schemeClr val="lt1"/>
+          </a:fontRef>
+        </p:style>
+        <p:txBody>
+          <a:bodyPr rtlCol="0" anchor="ctr"/>
+          <a:lstStyle/>
+          <a:p>
+            <a:pPr algn="ctr"/>
+            <a:endParaRPr lang="en-US"/>
+          </a:p>
+        </p:txBody>
+      </p:sp>
+      <p:sp>
+        <p:nvSpPr>
+          <p:cNvPr id="45" name="Retângulo 44">
+            <a:extLst>
+              <a:ext uri="{FF2B5EF4-FFF2-40B4-BE49-F238E27FC236}">
+                <a16:creationId xmlns:a16="http://schemas.microsoft.com/office/drawing/2014/main" id="{6465284E-483D-4EA4-9FB8-D1C6C4C0957C}"/>
+              </a:ext>
+            </a:extLst>
+          </p:cNvPr>
+          <p:cNvSpPr/>
+          <p:nvPr/>
+        </p:nvSpPr>
+        <p:spPr>
+          <a:xfrm>
+            <a:off x="1251054" y="692118"/>
+            <a:ext cx="2377438" cy="1723980"/>
+          </a:xfrm>
+          <a:prstGeom prst="rect">
+            <a:avLst/>
+          </a:prstGeom>
+        </p:spPr>
+        <p:style>
+          <a:lnRef idx="2">
+            <a:schemeClr val="dk1"/>
+          </a:lnRef>
+          <a:fillRef idx="1">
+            <a:schemeClr val="lt1"/>
+          </a:fillRef>
+          <a:effectRef idx="0">
+            <a:schemeClr val="dk1"/>
+          </a:effectRef>
+          <a:fontRef idx="minor">
+            <a:schemeClr val="dk1"/>
+          </a:fontRef>
+        </p:style>
+        <p:txBody>
+          <a:bodyPr rtlCol="0" anchor="ctr"/>
+          <a:lstStyle/>
+          <a:p>
+            <a:pPr algn="ctr"/>
+            <a:endParaRPr lang="en-US"/>
+          </a:p>
+        </p:txBody>
+      </p:sp>
+      <p:sp>
+        <p:nvSpPr>
+          <p:cNvPr id="46" name="CaixaDeTexto 45">
+            <a:extLst>
+              <a:ext uri="{FF2B5EF4-FFF2-40B4-BE49-F238E27FC236}">
+                <a16:creationId xmlns:a16="http://schemas.microsoft.com/office/drawing/2014/main" id="{8518E7DF-009D-46B6-830E-B5CD07D57272}"/>
+              </a:ext>
+            </a:extLst>
+          </p:cNvPr>
+          <p:cNvSpPr txBox="1"/>
+          <p:nvPr/>
+        </p:nvSpPr>
+        <p:spPr>
+          <a:xfrm>
+            <a:off x="1251054" y="692118"/>
+            <a:ext cx="2377437" cy="461665"/>
+          </a:xfrm>
+          <a:prstGeom prst="rect">
+            <a:avLst/>
+          </a:prstGeom>
+        </p:spPr>
+        <p:style>
+          <a:lnRef idx="2">
+            <a:schemeClr val="dk1"/>
+          </a:lnRef>
+          <a:fillRef idx="1">
+            <a:schemeClr val="lt1"/>
+          </a:fillRef>
+          <a:effectRef idx="0">
+            <a:schemeClr val="dk1"/>
+          </a:effectRef>
+          <a:fontRef idx="minor">
+            <a:schemeClr val="dk1"/>
+          </a:fontRef>
+        </p:style>
+        <p:txBody>
+          <a:bodyPr wrap="square" rtlCol="0">
+            <a:spAutoFit/>
+          </a:bodyPr>
+          <a:lstStyle/>
+          <a:p>
+            <a:pPr algn="ctr"/>
+            <a:r>
+              <a:rPr lang="en-US" sz="2400" b="1"/>
+              <a:t>Pessoa</a:t>
+            </a:r>
+            <a:endParaRPr lang="en-US" b="1"/>
+          </a:p>
+        </p:txBody>
+      </p:sp>
+      <p:sp>
+        <p:nvSpPr>
+          <p:cNvPr id="48" name="CaixaDeTexto 47">
+            <a:extLst>
+              <a:ext uri="{FF2B5EF4-FFF2-40B4-BE49-F238E27FC236}">
+                <a16:creationId xmlns:a16="http://schemas.microsoft.com/office/drawing/2014/main" id="{4F7F189A-E5CC-4B16-8EC5-746E361D05FD}"/>
+              </a:ext>
+            </a:extLst>
+          </p:cNvPr>
+          <p:cNvSpPr txBox="1"/>
+          <p:nvPr/>
+        </p:nvSpPr>
+        <p:spPr>
+          <a:xfrm>
+            <a:off x="1279829" y="1097286"/>
+            <a:ext cx="2377439" cy="646331"/>
+          </a:xfrm>
+          <a:prstGeom prst="rect">
+            <a:avLst/>
+          </a:prstGeom>
+          <a:noFill/>
+        </p:spPr>
+        <p:txBody>
+          <a:bodyPr wrap="square" rtlCol="0">
+            <a:spAutoFit/>
+          </a:bodyPr>
+          <a:lstStyle/>
+          <a:p>
+            <a:pPr algn="ctr"/>
+            <a:r>
+              <a:rPr lang="en-US">
+                <a:solidFill>
+                  <a:srgbClr val="9C123C"/>
+                </a:solidFill>
+              </a:rPr>
+              <a:t>nome</a:t>
+            </a:r>
+            <a:r>
+              <a:rPr lang="en-US"/>
+              <a:t>: </a:t>
+            </a:r>
+            <a:r>
+              <a:rPr lang="en-US" b="1">
+                <a:solidFill>
+                  <a:srgbClr val="FCBA04"/>
+                </a:solidFill>
+              </a:rPr>
+              <a:t>String</a:t>
+            </a:r>
+            <a:r>
+              <a:rPr lang="en-US"/>
+              <a:t> </a:t>
+            </a:r>
+          </a:p>
+          <a:p>
+            <a:pPr algn="ctr"/>
+            <a:r>
+              <a:rPr lang="en-US">
+                <a:solidFill>
+                  <a:srgbClr val="9C123C"/>
+                </a:solidFill>
+              </a:rPr>
+              <a:t>email</a:t>
+            </a:r>
+            <a:r>
+              <a:rPr lang="en-US"/>
+              <a:t>: </a:t>
+            </a:r>
+            <a:r>
+              <a:rPr lang="en-US" b="1">
+                <a:solidFill>
+                  <a:srgbClr val="FCBA04"/>
+                </a:solidFill>
+              </a:rPr>
+              <a:t>String</a:t>
+            </a:r>
+            <a:endParaRPr lang="en-US"/>
+          </a:p>
+        </p:txBody>
+      </p:sp>
+      <p:sp>
+        <p:nvSpPr>
+          <p:cNvPr id="49" name="Retângulo 48">
+            <a:extLst>
+              <a:ext uri="{FF2B5EF4-FFF2-40B4-BE49-F238E27FC236}">
+                <a16:creationId xmlns:a16="http://schemas.microsoft.com/office/drawing/2014/main" id="{D327666D-9567-422B-8889-E90CF37F3D9A}"/>
+              </a:ext>
+            </a:extLst>
+          </p:cNvPr>
+          <p:cNvSpPr/>
+          <p:nvPr/>
+        </p:nvSpPr>
+        <p:spPr>
+          <a:xfrm>
+            <a:off x="1251053" y="1769767"/>
+            <a:ext cx="2377438" cy="646331"/>
+          </a:xfrm>
+          <a:prstGeom prst="rect">
+            <a:avLst/>
+          </a:prstGeom>
+        </p:spPr>
+        <p:style>
+          <a:lnRef idx="2">
+            <a:schemeClr val="dk1"/>
+          </a:lnRef>
+          <a:fillRef idx="1">
+            <a:schemeClr val="lt1"/>
+          </a:fillRef>
+          <a:effectRef idx="0">
+            <a:schemeClr val="dk1"/>
+          </a:effectRef>
+          <a:fontRef idx="minor">
+            <a:schemeClr val="dk1"/>
+          </a:fontRef>
+        </p:style>
+        <p:txBody>
+          <a:bodyPr rtlCol="0" anchor="ctr"/>
+          <a:lstStyle/>
+          <a:p>
+            <a:pPr algn="ctr"/>
+            <a:r>
+              <a:rPr lang="en-US"/>
+              <a:t>ContaPontos(): int</a:t>
+            </a:r>
+          </a:p>
+        </p:txBody>
+      </p:sp>
+      <p:sp>
+        <p:nvSpPr>
+          <p:cNvPr id="51" name="Retângulo 50">
+            <a:extLst>
+              <a:ext uri="{FF2B5EF4-FFF2-40B4-BE49-F238E27FC236}">
+                <a16:creationId xmlns:a16="http://schemas.microsoft.com/office/drawing/2014/main" id="{3CD66D1F-AFED-4894-886D-B62BE6C37A3D}"/>
+              </a:ext>
+            </a:extLst>
+          </p:cNvPr>
+          <p:cNvSpPr/>
+          <p:nvPr/>
+        </p:nvSpPr>
+        <p:spPr>
+          <a:xfrm>
+            <a:off x="1441253" y="1325821"/>
+            <a:ext cx="109348" cy="45719"/>
+          </a:xfrm>
+          <a:prstGeom prst="rect">
+            <a:avLst/>
+          </a:prstGeom>
+        </p:spPr>
+        <p:style>
+          <a:lnRef idx="2">
+            <a:schemeClr val="dk1">
+              <a:shade val="50000"/>
+            </a:schemeClr>
+          </a:lnRef>
+          <a:fillRef idx="1">
+            <a:schemeClr val="dk1"/>
+          </a:fillRef>
+          <a:effectRef idx="0">
+            <a:schemeClr val="dk1"/>
+          </a:effectRef>
+          <a:fontRef idx="minor">
+            <a:schemeClr val="lt1"/>
+          </a:fontRef>
+        </p:style>
+        <p:txBody>
+          <a:bodyPr rtlCol="0" anchor="ctr"/>
+          <a:lstStyle/>
+          <a:p>
+            <a:pPr algn="ctr"/>
+            <a:endParaRPr lang="en-US"/>
+          </a:p>
+        </p:txBody>
+      </p:sp>
+      <p:sp>
+        <p:nvSpPr>
+          <p:cNvPr id="52" name="Sinal de Adição 51">
+            <a:extLst>
+              <a:ext uri="{FF2B5EF4-FFF2-40B4-BE49-F238E27FC236}">
+                <a16:creationId xmlns:a16="http://schemas.microsoft.com/office/drawing/2014/main" id="{7F42483B-8FAA-475A-90EA-3261398B3FDC}"/>
+              </a:ext>
+            </a:extLst>
+          </p:cNvPr>
+          <p:cNvSpPr/>
+          <p:nvPr/>
+        </p:nvSpPr>
+        <p:spPr>
+          <a:xfrm>
+            <a:off x="1347401" y="1991332"/>
+            <a:ext cx="203200" cy="203200"/>
+          </a:xfrm>
+          <a:prstGeom prst="mathPlus">
+            <a:avLst/>
+          </a:prstGeom>
+        </p:spPr>
+        <p:style>
+          <a:lnRef idx="2">
+            <a:schemeClr val="dk1">
+              <a:shade val="50000"/>
+            </a:schemeClr>
+          </a:lnRef>
+          <a:fillRef idx="1">
+            <a:schemeClr val="dk1"/>
+          </a:fillRef>
+          <a:effectRef idx="0">
+            <a:schemeClr val="dk1"/>
+          </a:effectRef>
+          <a:fontRef idx="minor">
+            <a:schemeClr val="lt1"/>
+          </a:fontRef>
+        </p:style>
+        <p:txBody>
+          <a:bodyPr rtlCol="0" anchor="ctr"/>
+          <a:lstStyle/>
+          <a:p>
+            <a:pPr algn="ctr"/>
+            <a:endParaRPr lang="en-US"/>
+          </a:p>
+        </p:txBody>
+      </p:sp>
+      <p:sp>
+        <p:nvSpPr>
+          <p:cNvPr id="55" name="Sinal de Adição 54">
+            <a:extLst>
+              <a:ext uri="{FF2B5EF4-FFF2-40B4-BE49-F238E27FC236}">
+                <a16:creationId xmlns:a16="http://schemas.microsoft.com/office/drawing/2014/main" id="{6C2B3B7F-A0E3-44D6-95DD-26732362F0C3}"/>
+              </a:ext>
+            </a:extLst>
+          </p:cNvPr>
+          <p:cNvSpPr/>
+          <p:nvPr/>
+        </p:nvSpPr>
+        <p:spPr>
+          <a:xfrm>
+            <a:off x="1418062" y="1510977"/>
+            <a:ext cx="156274" cy="156274"/>
+          </a:xfrm>
+          <a:prstGeom prst="mathPlus">
+            <a:avLst/>
+          </a:prstGeom>
+        </p:spPr>
+        <p:style>
+          <a:lnRef idx="2">
+            <a:schemeClr val="dk1">
+              <a:shade val="50000"/>
+            </a:schemeClr>
+          </a:lnRef>
+          <a:fillRef idx="1">
+            <a:schemeClr val="dk1"/>
+          </a:fillRef>
+          <a:effectRef idx="0">
+            <a:schemeClr val="dk1"/>
+          </a:effectRef>
+          <a:fontRef idx="minor">
+            <a:schemeClr val="lt1"/>
+          </a:fontRef>
+        </p:style>
+        <p:txBody>
+          <a:bodyPr rtlCol="0" anchor="ctr"/>
+          <a:lstStyle/>
+          <a:p>
+            <a:pPr algn="ctr"/>
+            <a:endParaRPr lang="en-US"/>
+          </a:p>
+        </p:txBody>
+      </p:sp>
+      <p:cxnSp>
+        <p:nvCxnSpPr>
+          <p:cNvPr id="25" name="Conector de Seta Reta 24">
+            <a:extLst>
+              <a:ext uri="{FF2B5EF4-FFF2-40B4-BE49-F238E27FC236}">
+                <a16:creationId xmlns:a16="http://schemas.microsoft.com/office/drawing/2014/main" id="{89B23135-AC2A-4616-AE07-6BC181791410}"/>
+              </a:ext>
+            </a:extLst>
+          </p:cNvPr>
+          <p:cNvCxnSpPr>
+            <a:cxnSpLocks/>
+            <a:stCxn id="4" idx="0"/>
+            <a:endCxn id="49" idx="2"/>
+          </p:cNvCxnSpPr>
+          <p:nvPr/>
+        </p:nvCxnSpPr>
+        <p:spPr>
+          <a:xfrm flipH="1" flipV="1">
+            <a:off x="2439772" y="2416098"/>
+            <a:ext cx="2631" cy="337873"/>
+          </a:xfrm>
+          <a:prstGeom prst="straightConnector1">
+            <a:avLst/>
+          </a:prstGeom>
+          <a:ln>
+            <a:tailEnd type="triangle"/>
+          </a:ln>
+        </p:spPr>
+        <p:style>
+          <a:lnRef idx="1">
+            <a:schemeClr val="accent1"/>
+          </a:lnRef>
+          <a:fillRef idx="0">
+            <a:schemeClr val="accent1"/>
+          </a:fillRef>
+          <a:effectRef idx="0">
+            <a:schemeClr val="accent1"/>
+          </a:effectRef>
+          <a:fontRef idx="minor">
+            <a:schemeClr val="tx1"/>
+          </a:fontRef>
+        </p:style>
+      </p:cxnSp>
+      <p:cxnSp>
+        <p:nvCxnSpPr>
+          <p:cNvPr id="58" name="Conector: Angulado 57">
+            <a:extLst>
+              <a:ext uri="{FF2B5EF4-FFF2-40B4-BE49-F238E27FC236}">
+                <a16:creationId xmlns:a16="http://schemas.microsoft.com/office/drawing/2014/main" id="{F95AD8B4-9414-4524-B783-C24B3656275F}"/>
+              </a:ext>
+            </a:extLst>
+          </p:cNvPr>
+          <p:cNvCxnSpPr>
+            <a:cxnSpLocks/>
+            <a:endCxn id="59" idx="1"/>
+          </p:cNvCxnSpPr>
+          <p:nvPr/>
+        </p:nvCxnSpPr>
+        <p:spPr>
+          <a:xfrm rot="10800000" flipV="1">
+            <a:off x="196851" y="2622041"/>
+            <a:ext cx="2245581" cy="1992040"/>
+          </a:xfrm>
+          <a:prstGeom prst="bentConnector3">
+            <a:avLst>
+              <a:gd name="adj1" fmla="val 110180"/>
+            </a:avLst>
+          </a:prstGeom>
+          <a:ln>
+            <a:solidFill>
+              <a:srgbClr val="4472C4"/>
+            </a:solidFill>
+            <a:tailEnd type="triangle"/>
+          </a:ln>
+        </p:spPr>
+        <p:style>
+          <a:lnRef idx="1">
+            <a:schemeClr val="accent6"/>
+          </a:lnRef>
+          <a:fillRef idx="0">
+            <a:schemeClr val="accent6"/>
+          </a:fillRef>
+          <a:effectRef idx="0">
+            <a:schemeClr val="accent6"/>
+          </a:effectRef>
+          <a:fontRef idx="minor">
+            <a:schemeClr val="tx1"/>
+          </a:fontRef>
+        </p:style>
+      </p:cxnSp>
+      <p:sp>
+        <p:nvSpPr>
+          <p:cNvPr id="59" name="CaixaDeTexto 58">
+            <a:extLst>
+              <a:ext uri="{FF2B5EF4-FFF2-40B4-BE49-F238E27FC236}">
+                <a16:creationId xmlns:a16="http://schemas.microsoft.com/office/drawing/2014/main" id="{4A9A96B3-93F1-4106-A6EA-7EE2F50EA760}"/>
+              </a:ext>
+            </a:extLst>
+          </p:cNvPr>
+          <p:cNvSpPr txBox="1"/>
+          <p:nvPr/>
+        </p:nvSpPr>
+        <p:spPr>
+          <a:xfrm>
+            <a:off x="196850" y="4321693"/>
+            <a:ext cx="2492477" cy="584775"/>
+          </a:xfrm>
+          <a:prstGeom prst="rect">
+            <a:avLst/>
+          </a:prstGeom>
+          <a:ln>
+            <a:solidFill>
+              <a:srgbClr val="4472C4"/>
+            </a:solidFill>
+          </a:ln>
+        </p:spPr>
+        <p:style>
+          <a:lnRef idx="2">
+            <a:schemeClr val="accent2"/>
+          </a:lnRef>
+          <a:fillRef idx="1">
+            <a:schemeClr val="lt1"/>
+          </a:fillRef>
+          <a:effectRef idx="0">
+            <a:schemeClr val="accent2"/>
+          </a:effectRef>
+          <a:fontRef idx="minor">
+            <a:schemeClr val="dk1"/>
+          </a:fontRef>
+        </p:style>
+        <p:txBody>
+          <a:bodyPr wrap="none" rtlCol="0">
+            <a:spAutoFit/>
+          </a:bodyPr>
+          <a:lstStyle/>
+          <a:p>
+            <a:r>
+              <a:rPr lang="en-US" sz="1600"/>
+              <a:t>Indica </a:t>
+            </a:r>
+            <a:r>
+              <a:rPr lang="en-US" sz="1600" b="1"/>
+              <a:t>herença</a:t>
+            </a:r>
+            <a:r>
+              <a:rPr lang="en-US" sz="1600"/>
+              <a:t>,</a:t>
+            </a:r>
+          </a:p>
+          <a:p>
+            <a:r>
+              <a:rPr lang="en-US" sz="1600"/>
+              <a:t>ou seja, Aluno herda Pessoa</a:t>
+            </a:r>
           </a:p>
         </p:txBody>
       </p:sp>
